--- a/undergraduate/labs/storage.pptx
+++ b/undergraduate/labs/storage.pptx
@@ -4439,6 +4439,13 @@
   <p:clrMapOvr>
     <a:masterClrMapping/>
   </p:clrMapOvr>
+  <p:timing>
+    <p:tnLst>
+      <p:par>
+        <p:cTn id="1" dur="indefinite" restart="never" nodeType="tmRoot"/>
+      </p:par>
+    </p:tnLst>
+  </p:timing>
 </p:sld>
 </file>
 
@@ -4791,6 +4798,13 @@
   <p:clrMapOvr>
     <a:masterClrMapping/>
   </p:clrMapOvr>
+  <p:timing>
+    <p:tnLst>
+      <p:par>
+        <p:cTn id="1" dur="indefinite" restart="never" nodeType="tmRoot"/>
+      </p:par>
+    </p:tnLst>
+  </p:timing>
 </p:sld>
 </file>
 
@@ -4888,15 +4902,19 @@
             <a:pPr lvl="1"/>
             <a:r>
               <a:rPr lang="en-US" dirty="0" smtClean="0"/>
-              <a:t>Relate the bytes read to the </a:t>
-            </a:r>
-            <a:r>
-              <a:rPr lang="en-US" dirty="0" err="1" smtClean="0"/>
-              <a:t>nuber</a:t>
+              <a:t>Relate the bytes read to </a:t>
+            </a:r>
+            <a:r>
+              <a:rPr lang="en-US" smtClean="0"/>
+              <a:t>the </a:t>
+            </a:r>
+            <a:r>
+              <a:rPr lang="en-US" smtClean="0"/>
+              <a:t>number </a:t>
             </a:r>
             <a:r>
               <a:rPr lang="en-US" dirty="0" smtClean="0"/>
-              <a:t> of read calls</a:t>
+              <a:t>of read calls</a:t>
             </a:r>
           </a:p>
           <a:p>
@@ -4921,12 +4939,12 @@
               <a:t> is requested. 	Relate the bytes read to the </a:t>
             </a:r>
             <a:r>
-              <a:rPr lang="en-US" dirty="0" err="1" smtClean="0"/>
-              <a:t>nuber</a:t>
-            </a:r>
-            <a:r>
               <a:rPr lang="en-US" dirty="0" smtClean="0"/>
-              <a:t> of write calls</a:t>
+              <a:t>number </a:t>
+            </a:r>
+            <a:r>
+              <a:rPr lang="en-US" dirty="0" smtClean="0"/>
+              <a:t>of write calls</a:t>
             </a:r>
           </a:p>
           <a:p>
@@ -4994,6 +5012,13 @@
   <p:clrMapOvr>
     <a:masterClrMapping/>
   </p:clrMapOvr>
+  <p:timing>
+    <p:tnLst>
+      <p:par>
+        <p:cTn id="1" dur="indefinite" restart="never" nodeType="tmRoot"/>
+      </p:par>
+    </p:tnLst>
+  </p:timing>
 </p:sld>
 </file>
 
